--- a/mtech_project_report_results/mtech_project.pptx
+++ b/mtech_project_report_results/mtech_project.pptx
@@ -309,7 +309,7 @@
           <a:p>
             <a:fld id="{8F64AEEF-AD3A-4EA3-B4BD-A7A1B187C17D}" type="datetimeFigureOut">
               <a:rPr lang="en-US" smtClean="0"/>
-              <a:t>5/9/2019</a:t>
+              <a:t>5/26/2019</a:t>
             </a:fld>
             <a:endParaRPr lang="en-US"/>
           </a:p>
@@ -479,7 +479,7 @@
           <a:p>
             <a:fld id="{8F64AEEF-AD3A-4EA3-B4BD-A7A1B187C17D}" type="datetimeFigureOut">
               <a:rPr lang="en-US" smtClean="0"/>
-              <a:t>5/9/2019</a:t>
+              <a:t>5/26/2019</a:t>
             </a:fld>
             <a:endParaRPr lang="en-US"/>
           </a:p>
@@ -659,7 +659,7 @@
           <a:p>
             <a:fld id="{8F64AEEF-AD3A-4EA3-B4BD-A7A1B187C17D}" type="datetimeFigureOut">
               <a:rPr lang="en-US" smtClean="0"/>
-              <a:t>5/9/2019</a:t>
+              <a:t>5/26/2019</a:t>
             </a:fld>
             <a:endParaRPr lang="en-US"/>
           </a:p>
@@ -829,7 +829,7 @@
           <a:p>
             <a:fld id="{8F64AEEF-AD3A-4EA3-B4BD-A7A1B187C17D}" type="datetimeFigureOut">
               <a:rPr lang="en-US" smtClean="0"/>
-              <a:t>5/9/2019</a:t>
+              <a:t>5/26/2019</a:t>
             </a:fld>
             <a:endParaRPr lang="en-US"/>
           </a:p>
@@ -1075,7 +1075,7 @@
           <a:p>
             <a:fld id="{8F64AEEF-AD3A-4EA3-B4BD-A7A1B187C17D}" type="datetimeFigureOut">
               <a:rPr lang="en-US" smtClean="0"/>
-              <a:t>5/9/2019</a:t>
+              <a:t>5/26/2019</a:t>
             </a:fld>
             <a:endParaRPr lang="en-US"/>
           </a:p>
@@ -1363,7 +1363,7 @@
           <a:p>
             <a:fld id="{8F64AEEF-AD3A-4EA3-B4BD-A7A1B187C17D}" type="datetimeFigureOut">
               <a:rPr lang="en-US" smtClean="0"/>
-              <a:t>5/9/2019</a:t>
+              <a:t>5/26/2019</a:t>
             </a:fld>
             <a:endParaRPr lang="en-US"/>
           </a:p>
@@ -1785,7 +1785,7 @@
           <a:p>
             <a:fld id="{8F64AEEF-AD3A-4EA3-B4BD-A7A1B187C17D}" type="datetimeFigureOut">
               <a:rPr lang="en-US" smtClean="0"/>
-              <a:t>5/9/2019</a:t>
+              <a:t>5/26/2019</a:t>
             </a:fld>
             <a:endParaRPr lang="en-US"/>
           </a:p>
@@ -1903,7 +1903,7 @@
           <a:p>
             <a:fld id="{8F64AEEF-AD3A-4EA3-B4BD-A7A1B187C17D}" type="datetimeFigureOut">
               <a:rPr lang="en-US" smtClean="0"/>
-              <a:t>5/9/2019</a:t>
+              <a:t>5/26/2019</a:t>
             </a:fld>
             <a:endParaRPr lang="en-US"/>
           </a:p>
@@ -1998,7 +1998,7 @@
           <a:p>
             <a:fld id="{8F64AEEF-AD3A-4EA3-B4BD-A7A1B187C17D}" type="datetimeFigureOut">
               <a:rPr lang="en-US" smtClean="0"/>
-              <a:t>5/9/2019</a:t>
+              <a:t>5/26/2019</a:t>
             </a:fld>
             <a:endParaRPr lang="en-US"/>
           </a:p>
@@ -2275,7 +2275,7 @@
           <a:p>
             <a:fld id="{8F64AEEF-AD3A-4EA3-B4BD-A7A1B187C17D}" type="datetimeFigureOut">
               <a:rPr lang="en-US" smtClean="0"/>
-              <a:t>5/9/2019</a:t>
+              <a:t>5/26/2019</a:t>
             </a:fld>
             <a:endParaRPr lang="en-US"/>
           </a:p>
@@ -2528,7 +2528,7 @@
           <a:p>
             <a:fld id="{8F64AEEF-AD3A-4EA3-B4BD-A7A1B187C17D}" type="datetimeFigureOut">
               <a:rPr lang="en-US" smtClean="0"/>
-              <a:t>5/9/2019</a:t>
+              <a:t>5/26/2019</a:t>
             </a:fld>
             <a:endParaRPr lang="en-US"/>
           </a:p>
@@ -2741,7 +2741,7 @@
           <a:p>
             <a:fld id="{8F64AEEF-AD3A-4EA3-B4BD-A7A1B187C17D}" type="datetimeFigureOut">
               <a:rPr lang="en-US" smtClean="0"/>
-              <a:t>5/9/2019</a:t>
+              <a:t>5/26/2019</a:t>
             </a:fld>
             <a:endParaRPr lang="en-US"/>
           </a:p>
@@ -5120,15 +5120,7 @@
           <a:p>
             <a:r>
               <a:rPr lang="en-US" sz="1800" dirty="0" smtClean="0"/>
-              <a:t>Every agent can experience a </a:t>
-            </a:r>
-            <a:r>
-              <a:rPr lang="en-US" sz="1800" dirty="0" smtClean="0"/>
-              <a:t>part(local data) </a:t>
-            </a:r>
-            <a:r>
-              <a:rPr lang="en-US" sz="1800" dirty="0" smtClean="0"/>
-              <a:t>of environment.</a:t>
+              <a:t>Every agent can experience a part(local data) of environment.</a:t>
             </a:r>
           </a:p>
           <a:p>
@@ -5229,19 +5221,7 @@
             </a:r>
             <a:r>
               <a:rPr lang="en-US" dirty="0" smtClean="0"/>
-              <a:t>lanes after </a:t>
-            </a:r>
-            <a:r>
-              <a:rPr lang="en-US" dirty="0" smtClean="0"/>
-              <a:t>performing</a:t>
-            </a:r>
-            <a:r>
-              <a:rPr lang="en-US" dirty="0" smtClean="0"/>
-              <a:t> </a:t>
-            </a:r>
-            <a:r>
-              <a:rPr lang="en-US" dirty="0" smtClean="0"/>
-              <a:t>action</a:t>
+              <a:t>lanes after performing action</a:t>
             </a:r>
           </a:p>
           <a:p>
@@ -5305,11 +5285,11 @@
   <p:clrMapOvr>
     <a:masterClrMapping/>
   </p:clrMapOvr>
-  <mc:AlternateContent xmlns:mc="http://schemas.openxmlformats.org/markup-compatibility/2006">
-    <mc:Choice xmlns:p14="http://schemas.microsoft.com/office/powerpoint/2010/main" Requires="p14">
+  <mc:AlternateContent xmlns:mc="http://schemas.openxmlformats.org/markup-compatibility/2006" xmlns:p14="http://schemas.microsoft.com/office/powerpoint/2010/main">
+    <mc:Choice Requires="p14">
       <p:transition p14:dur="10"/>
     </mc:Choice>
-    <mc:Fallback>
+    <mc:Fallback xmlns="">
       <p:transition/>
     </mc:Fallback>
   </mc:AlternateContent>
@@ -5783,11 +5763,7 @@
             </a:r>
             <a:r>
               <a:rPr lang="en-US" sz="1800" dirty="0"/>
-              <a:t>,</a:t>
-            </a:r>
-            <a:r>
-              <a:rPr lang="en-US" sz="1800" dirty="0"/>
-              <a:t> </a:t>
+              <a:t>, </a:t>
             </a:r>
             <a:r>
               <a:rPr lang="en-US" sz="1800" dirty="0" err="1">
@@ -5803,11 +5779,7 @@
             </a:r>
             <a:r>
               <a:rPr lang="en-US" sz="1800" dirty="0"/>
-              <a:t>,</a:t>
-            </a:r>
-            <a:r>
-              <a:rPr lang="en-US" sz="1800" dirty="0"/>
-              <a:t> </a:t>
+              <a:t>, </a:t>
             </a:r>
             <a:r>
               <a:rPr lang="en-US" sz="1800" dirty="0" err="1">
@@ -5904,11 +5876,7 @@
             </a:r>
             <a:r>
               <a:rPr lang="en-US" dirty="0" smtClean="0"/>
-              <a:t> </a:t>
-            </a:r>
-            <a:r>
-              <a:rPr lang="en-US" dirty="0" smtClean="0"/>
-              <a:t>Simulation for modelling Traffic </a:t>
+              <a:t> Simulation for modelling Traffic </a:t>
             </a:r>
             <a:r>
               <a:rPr lang="en-US" dirty="0" err="1" smtClean="0"/>
@@ -6001,11 +5969,7 @@
             <a:pPr algn="l"/>
             <a:r>
               <a:rPr lang="en-US" sz="3200" dirty="0" smtClean="0"/>
-              <a:t> Algorithm </a:t>
-            </a:r>
-            <a:r>
-              <a:rPr lang="en-US" sz="3200" dirty="0" smtClean="0"/>
-              <a:t>Used</a:t>
+              <a:t> Algorithm Used</a:t>
             </a:r>
             <a:endParaRPr lang="en-US" sz="3200" dirty="0"/>
           </a:p>
@@ -6035,8 +5999,13 @@
           <a:p>
             <a:r>
               <a:rPr lang="en-US" sz="2000" dirty="0" smtClean="0"/>
-              <a:t>PPO, actor critic style</a:t>
-            </a:r>
+              <a:t>PPO, </a:t>
+            </a:r>
+            <a:r>
+              <a:rPr lang="en-US" sz="2000" dirty="0" smtClean="0"/>
+              <a:t>Advantage Actor critic</a:t>
+            </a:r>
+            <a:endParaRPr lang="en-US" sz="2000" dirty="0" smtClean="0"/>
           </a:p>
           <a:p>
             <a:r>
@@ -6261,6 +6230,49 @@
       </p:grpSpPr>
       <p:sp>
         <p:nvSpPr>
+          <p:cNvPr id="3" name="Rectangle 2"/>
+          <p:cNvSpPr/>
+          <p:nvPr/>
+        </p:nvSpPr>
+        <p:spPr>
+          <a:xfrm>
+            <a:off x="457200" y="838200"/>
+            <a:ext cx="6705600" cy="2895600"/>
+          </a:xfrm>
+          <a:prstGeom prst="rect">
+            <a:avLst/>
+          </a:prstGeom>
+          <a:solidFill>
+            <a:schemeClr val="bg1"/>
+          </a:solidFill>
+        </p:spPr>
+        <p:style>
+          <a:lnRef idx="2">
+            <a:schemeClr val="accent1">
+              <a:shade val="50000"/>
+            </a:schemeClr>
+          </a:lnRef>
+          <a:fillRef idx="1">
+            <a:schemeClr val="accent1"/>
+          </a:fillRef>
+          <a:effectRef idx="0">
+            <a:schemeClr val="accent1"/>
+          </a:effectRef>
+          <a:fontRef idx="minor">
+            <a:schemeClr val="lt1"/>
+          </a:fontRef>
+        </p:style>
+        <p:txBody>
+          <a:bodyPr rtlCol="0" anchor="ctr"/>
+          <a:lstStyle/>
+          <a:p>
+            <a:pPr algn="ctr"/>
+            <a:endParaRPr lang="en-US"/>
+          </a:p>
+        </p:txBody>
+      </p:sp>
+      <p:sp>
+        <p:nvSpPr>
           <p:cNvPr id="2" name="Title 1"/>
           <p:cNvSpPr>
             <a:spLocks noGrp="1"/>
@@ -6271,7 +6283,7 @@
         </p:nvSpPr>
         <p:spPr>
           <a:xfrm>
-            <a:off x="254000" y="457200"/>
+            <a:off x="228600" y="152400"/>
             <a:ext cx="8229600" cy="838200"/>
           </a:xfrm>
         </p:spPr>
@@ -6298,8 +6310,8 @@
         </p:nvSpPr>
         <p:spPr>
           <a:xfrm>
-            <a:off x="787400" y="1859465"/>
-            <a:ext cx="4627357" cy="1477328"/>
+            <a:off x="1100667" y="1425476"/>
+            <a:ext cx="4540730" cy="2308324"/>
           </a:xfrm>
           <a:prstGeom prst="rect">
             <a:avLst/>
@@ -6312,9 +6324,12 @@
           </a:bodyPr>
           <a:lstStyle/>
           <a:p>
-            <a:r>
-              <a:rPr lang="en-US" dirty="0" smtClean="0"/>
-              <a:t>1. Get </a:t>
+            <a:pPr marL="342900" indent="-342900">
+              <a:buAutoNum type="arabicPeriod"/>
+            </a:pPr>
+            <a:r>
+              <a:rPr lang="en-US" dirty="0" smtClean="0"/>
+              <a:t>Get </a:t>
             </a:r>
             <a:r>
               <a:rPr lang="en-US" dirty="0" err="1" smtClean="0"/>
@@ -6322,19 +6337,41 @@
             </a:r>
             <a:r>
               <a:rPr lang="en-US" dirty="0" smtClean="0"/>
-              <a:t>’. put into buffer</a:t>
-            </a:r>
-          </a:p>
-          <a:p>
-            <a:r>
-              <a:rPr lang="en-US" dirty="0" smtClean="0"/>
-              <a:t>2. Copy current policy parameter</a:t>
-            </a:r>
-          </a:p>
-          <a:p>
-            <a:r>
-              <a:rPr lang="en-US" dirty="0" smtClean="0"/>
-              <a:t>3. Sample </a:t>
+              <a:t>’. put into </a:t>
+            </a:r>
+            <a:r>
+              <a:rPr lang="en-US" dirty="0" smtClean="0"/>
+              <a:t>buffer </a:t>
+            </a:r>
+          </a:p>
+          <a:p>
+            <a:pPr marL="342900" indent="-342900">
+              <a:buAutoNum type="arabicPeriod"/>
+            </a:pPr>
+            <a:r>
+              <a:rPr lang="en-US" dirty="0" smtClean="0"/>
+              <a:t>if buffer has enough samples</a:t>
+            </a:r>
+            <a:endParaRPr lang="en-US" dirty="0" smtClean="0"/>
+          </a:p>
+          <a:p>
+            <a:r>
+              <a:rPr lang="en-US" dirty="0" smtClean="0"/>
+              <a:t>     3</a:t>
+            </a:r>
+            <a:r>
+              <a:rPr lang="en-US" dirty="0" smtClean="0"/>
+              <a:t>. K times: </a:t>
+            </a:r>
+          </a:p>
+          <a:p>
+            <a:r>
+              <a:rPr lang="en-US" dirty="0" smtClean="0"/>
+              <a:t>     4.     </a:t>
+            </a:r>
+            <a:r>
+              <a:rPr lang="en-US" dirty="0" smtClean="0"/>
+              <a:t>Sample </a:t>
             </a:r>
             <a:r>
               <a:rPr lang="en-US" dirty="0" err="1" smtClean="0"/>
@@ -6342,28 +6379,75 @@
             </a:r>
             <a:r>
               <a:rPr lang="en-US" dirty="0" smtClean="0"/>
-              <a:t>(32) from buffer</a:t>
-            </a:r>
-          </a:p>
-          <a:p>
-            <a:r>
-              <a:rPr lang="en-US" dirty="0" smtClean="0"/>
-              <a:t>4. Train Actor, Critic(Mean square loss function)</a:t>
-            </a:r>
-          </a:p>
-          <a:p>
-            <a:r>
-              <a:rPr lang="en-US" dirty="0" smtClean="0"/>
-              <a:t>5. Update </a:t>
+              <a:t>(32) from </a:t>
+            </a:r>
+            <a:r>
+              <a:rPr lang="en-US" dirty="0" smtClean="0"/>
+              <a:t>buffer</a:t>
+            </a:r>
+          </a:p>
+          <a:p>
+            <a:r>
+              <a:rPr lang="en-US" dirty="0" smtClean="0"/>
+              <a:t>     5.     Train</a:t>
+            </a:r>
+            <a:r>
+              <a:rPr lang="en-US" dirty="0" smtClean="0"/>
+              <a:t> actor(</a:t>
             </a:r>
             <a:r>
               <a:rPr lang="en-US" dirty="0" err="1" smtClean="0"/>
-              <a:t>pi_old</a:t>
-            </a:r>
-            <a:r>
-              <a:rPr lang="en-US" dirty="0" smtClean="0"/>
-              <a:t> with step 2 parameters</a:t>
-            </a:r>
+              <a:t>current_policy</a:t>
+            </a:r>
+            <a:r>
+              <a:rPr lang="en-US" dirty="0" smtClean="0"/>
+              <a:t>) on this data</a:t>
+            </a:r>
+            <a:endParaRPr lang="en-US" dirty="0" smtClean="0"/>
+          </a:p>
+          <a:p>
+            <a:r>
+              <a:rPr lang="en-US" dirty="0" smtClean="0"/>
+              <a:t>     6</a:t>
+            </a:r>
+            <a:r>
+              <a:rPr lang="en-US" dirty="0" smtClean="0"/>
+              <a:t>. Train Critic on whole buffer</a:t>
+            </a:r>
+          </a:p>
+          <a:p>
+            <a:r>
+              <a:rPr lang="en-US" dirty="0" smtClean="0"/>
+              <a:t>     7. Set </a:t>
+            </a:r>
+            <a:r>
+              <a:rPr lang="en-US" dirty="0" err="1"/>
+              <a:t>o</a:t>
+            </a:r>
+            <a:r>
+              <a:rPr lang="en-US" dirty="0" err="1" smtClean="0"/>
+              <a:t>ld_policy</a:t>
+            </a:r>
+            <a:r>
+              <a:rPr lang="en-US" dirty="0" smtClean="0"/>
+              <a:t> = </a:t>
+            </a:r>
+            <a:r>
+              <a:rPr lang="en-US" dirty="0" err="1" smtClean="0"/>
+              <a:t>current_policy</a:t>
+            </a:r>
+            <a:endParaRPr lang="en-US" dirty="0" smtClean="0"/>
+          </a:p>
+          <a:p>
+            <a:r>
+              <a:rPr lang="en-US" dirty="0" smtClean="0"/>
+              <a:t>     8</a:t>
+            </a:r>
+            <a:r>
+              <a:rPr lang="en-US" dirty="0" smtClean="0"/>
+              <a:t>. Empty buffer</a:t>
+            </a:r>
+            <a:endParaRPr lang="en-US" dirty="0" smtClean="0"/>
           </a:p>
         </p:txBody>
       </p:sp>
@@ -6375,8 +6459,8 @@
         </p:nvSpPr>
         <p:spPr>
           <a:xfrm>
-            <a:off x="533400" y="1524000"/>
-            <a:ext cx="1664430" cy="369332"/>
+            <a:off x="457200" y="838200"/>
+            <a:ext cx="4433713" cy="646331"/>
           </a:xfrm>
           <a:prstGeom prst="rect">
             <a:avLst/>
@@ -6384,14 +6468,28 @@
           <a:noFill/>
         </p:spPr>
         <p:txBody>
-          <a:bodyPr wrap="none" rtlCol="0">
+          <a:bodyPr wrap="square" rtlCol="0">
             <a:spAutoFit/>
           </a:bodyPr>
           <a:lstStyle/>
           <a:p>
             <a:r>
               <a:rPr lang="en-US" dirty="0" smtClean="0"/>
-              <a:t>For every Agent</a:t>
+              <a:t>Start Simulation</a:t>
+            </a:r>
+          </a:p>
+          <a:p>
+            <a:r>
+              <a:rPr lang="en-US" dirty="0" smtClean="0"/>
+              <a:t>      For </a:t>
+            </a:r>
+            <a:r>
+              <a:rPr lang="en-US" dirty="0" smtClean="0"/>
+              <a:t>every </a:t>
+            </a:r>
+            <a:r>
+              <a:rPr lang="en-US" dirty="0" smtClean="0"/>
+              <a:t>Agent that needs to take action</a:t>
             </a:r>
             <a:endParaRPr lang="en-US" dirty="0"/>
           </a:p>
@@ -6409,7 +6507,7 @@
         </p:nvSpPr>
         <p:spPr>
           <a:xfrm>
-            <a:off x="381000" y="4343400"/>
+            <a:off x="381000" y="4495800"/>
             <a:ext cx="6629400" cy="1600200"/>
           </a:xfrm>
         </p:spPr>
@@ -6454,7 +6552,7 @@
         </p:nvSpPr>
         <p:spPr>
           <a:xfrm>
-            <a:off x="228600" y="3733800"/>
+            <a:off x="228600" y="3886200"/>
             <a:ext cx="3810000" cy="609600"/>
           </a:xfrm>
           <a:prstGeom prst="rect">

--- a/mtech_project_report_results/mtech_project.pptx
+++ b/mtech_project_report_results/mtech_project.pptx
@@ -309,7 +309,7 @@
           <a:p>
             <a:fld id="{8F64AEEF-AD3A-4EA3-B4BD-A7A1B187C17D}" type="datetimeFigureOut">
               <a:rPr lang="en-US" smtClean="0"/>
-              <a:t>5/26/2019</a:t>
+              <a:t>5/29/2019</a:t>
             </a:fld>
             <a:endParaRPr lang="en-US"/>
           </a:p>
@@ -479,7 +479,7 @@
           <a:p>
             <a:fld id="{8F64AEEF-AD3A-4EA3-B4BD-A7A1B187C17D}" type="datetimeFigureOut">
               <a:rPr lang="en-US" smtClean="0"/>
-              <a:t>5/26/2019</a:t>
+              <a:t>5/29/2019</a:t>
             </a:fld>
             <a:endParaRPr lang="en-US"/>
           </a:p>
@@ -659,7 +659,7 @@
           <a:p>
             <a:fld id="{8F64AEEF-AD3A-4EA3-B4BD-A7A1B187C17D}" type="datetimeFigureOut">
               <a:rPr lang="en-US" smtClean="0"/>
-              <a:t>5/26/2019</a:t>
+              <a:t>5/29/2019</a:t>
             </a:fld>
             <a:endParaRPr lang="en-US"/>
           </a:p>
@@ -829,7 +829,7 @@
           <a:p>
             <a:fld id="{8F64AEEF-AD3A-4EA3-B4BD-A7A1B187C17D}" type="datetimeFigureOut">
               <a:rPr lang="en-US" smtClean="0"/>
-              <a:t>5/26/2019</a:t>
+              <a:t>5/29/2019</a:t>
             </a:fld>
             <a:endParaRPr lang="en-US"/>
           </a:p>
@@ -1075,7 +1075,7 @@
           <a:p>
             <a:fld id="{8F64AEEF-AD3A-4EA3-B4BD-A7A1B187C17D}" type="datetimeFigureOut">
               <a:rPr lang="en-US" smtClean="0"/>
-              <a:t>5/26/2019</a:t>
+              <a:t>5/29/2019</a:t>
             </a:fld>
             <a:endParaRPr lang="en-US"/>
           </a:p>
@@ -1363,7 +1363,7 @@
           <a:p>
             <a:fld id="{8F64AEEF-AD3A-4EA3-B4BD-A7A1B187C17D}" type="datetimeFigureOut">
               <a:rPr lang="en-US" smtClean="0"/>
-              <a:t>5/26/2019</a:t>
+              <a:t>5/29/2019</a:t>
             </a:fld>
             <a:endParaRPr lang="en-US"/>
           </a:p>
@@ -1785,7 +1785,7 @@
           <a:p>
             <a:fld id="{8F64AEEF-AD3A-4EA3-B4BD-A7A1B187C17D}" type="datetimeFigureOut">
               <a:rPr lang="en-US" smtClean="0"/>
-              <a:t>5/26/2019</a:t>
+              <a:t>5/29/2019</a:t>
             </a:fld>
             <a:endParaRPr lang="en-US"/>
           </a:p>
@@ -1903,7 +1903,7 @@
           <a:p>
             <a:fld id="{8F64AEEF-AD3A-4EA3-B4BD-A7A1B187C17D}" type="datetimeFigureOut">
               <a:rPr lang="en-US" smtClean="0"/>
-              <a:t>5/26/2019</a:t>
+              <a:t>5/29/2019</a:t>
             </a:fld>
             <a:endParaRPr lang="en-US"/>
           </a:p>
@@ -1998,7 +1998,7 @@
           <a:p>
             <a:fld id="{8F64AEEF-AD3A-4EA3-B4BD-A7A1B187C17D}" type="datetimeFigureOut">
               <a:rPr lang="en-US" smtClean="0"/>
-              <a:t>5/26/2019</a:t>
+              <a:t>5/29/2019</a:t>
             </a:fld>
             <a:endParaRPr lang="en-US"/>
           </a:p>
@@ -2275,7 +2275,7 @@
           <a:p>
             <a:fld id="{8F64AEEF-AD3A-4EA3-B4BD-A7A1B187C17D}" type="datetimeFigureOut">
               <a:rPr lang="en-US" smtClean="0"/>
-              <a:t>5/26/2019</a:t>
+              <a:t>5/29/2019</a:t>
             </a:fld>
             <a:endParaRPr lang="en-US"/>
           </a:p>
@@ -2528,7 +2528,7 @@
           <a:p>
             <a:fld id="{8F64AEEF-AD3A-4EA3-B4BD-A7A1B187C17D}" type="datetimeFigureOut">
               <a:rPr lang="en-US" smtClean="0"/>
-              <a:t>5/26/2019</a:t>
+              <a:t>5/29/2019</a:t>
             </a:fld>
             <a:endParaRPr lang="en-US"/>
           </a:p>
@@ -2741,7 +2741,7 @@
           <a:p>
             <a:fld id="{8F64AEEF-AD3A-4EA3-B4BD-A7A1B187C17D}" type="datetimeFigureOut">
               <a:rPr lang="en-US" smtClean="0"/>
-              <a:t>5/26/2019</a:t>
+              <a:t>5/29/2019</a:t>
             </a:fld>
             <a:endParaRPr lang="en-US"/>
           </a:p>
@@ -5999,13 +5999,8 @@
           <a:p>
             <a:r>
               <a:rPr lang="en-US" sz="2000" dirty="0" smtClean="0"/>
-              <a:t>PPO, </a:t>
-            </a:r>
-            <a:r>
-              <a:rPr lang="en-US" sz="2000" dirty="0" smtClean="0"/>
-              <a:t>Advantage Actor critic</a:t>
-            </a:r>
-            <a:endParaRPr lang="en-US" sz="2000" dirty="0" smtClean="0"/>
+              <a:t>PPO, Advantage Actor critic</a:t>
+            </a:r>
           </a:p>
           <a:p>
             <a:r>
@@ -6050,8 +6045,8 @@
         </p:blipFill>
         <p:spPr bwMode="auto">
           <a:xfrm>
-            <a:off x="601133" y="3758349"/>
-            <a:ext cx="3259667" cy="381000"/>
+            <a:off x="601133" y="3809999"/>
+            <a:ext cx="3208867" cy="329349"/>
           </a:xfrm>
           <a:prstGeom prst="rect">
             <a:avLst/>
@@ -6077,7 +6072,7 @@
           <p:nvPr/>
         </p:nvPicPr>
         <p:blipFill>
-          <a:blip r:embed="rId3">
+          <a:blip r:embed="rId3" cstate="print">
             <a:extLst>
               <a:ext uri="{28A0092B-C50C-407E-A947-70E740481C1C}">
                 <a14:useLocalDpi xmlns:a14="http://schemas.microsoft.com/office/drawing/2010/main" val="0"/>
@@ -6091,8 +6086,8 @@
         </p:blipFill>
         <p:spPr bwMode="auto">
           <a:xfrm>
-            <a:off x="601132" y="2612389"/>
-            <a:ext cx="5698067" cy="464818"/>
+            <a:off x="601133" y="2666999"/>
+            <a:ext cx="5266268" cy="410207"/>
           </a:xfrm>
           <a:prstGeom prst="rect">
             <a:avLst/>
@@ -6159,7 +6154,7 @@
           <p:nvPr/>
         </p:nvPicPr>
         <p:blipFill>
-          <a:blip r:embed="rId5">
+          <a:blip r:embed="rId5" cstate="print">
             <a:extLst>
               <a:ext uri="{28A0092B-C50C-407E-A947-70E740481C1C}">
                 <a14:useLocalDpi xmlns:a14="http://schemas.microsoft.com/office/drawing/2010/main" val="0"/>
@@ -6173,8 +6168,8 @@
         </p:blipFill>
         <p:spPr bwMode="auto">
           <a:xfrm>
-            <a:off x="609600" y="1921932"/>
-            <a:ext cx="2565400" cy="609600"/>
+            <a:off x="609600" y="1981200"/>
+            <a:ext cx="2565400" cy="550332"/>
           </a:xfrm>
           <a:prstGeom prst="rect">
             <a:avLst/>
@@ -6337,11 +6332,7 @@
             </a:r>
             <a:r>
               <a:rPr lang="en-US" dirty="0" smtClean="0"/>
-              <a:t>’. put into </a:t>
-            </a:r>
-            <a:r>
-              <a:rPr lang="en-US" dirty="0" smtClean="0"/>
-              <a:t>buffer </a:t>
+              <a:t>’. put into buffer </a:t>
             </a:r>
           </a:p>
           <a:p>
@@ -6352,26 +6343,17 @@
               <a:rPr lang="en-US" dirty="0" smtClean="0"/>
               <a:t>if buffer has enough samples</a:t>
             </a:r>
-            <a:endParaRPr lang="en-US" dirty="0" smtClean="0"/>
-          </a:p>
-          <a:p>
-            <a:r>
-              <a:rPr lang="en-US" dirty="0" smtClean="0"/>
-              <a:t>     3</a:t>
-            </a:r>
-            <a:r>
-              <a:rPr lang="en-US" dirty="0" smtClean="0"/>
-              <a:t>. K times: </a:t>
-            </a:r>
-          </a:p>
-          <a:p>
-            <a:r>
-              <a:rPr lang="en-US" dirty="0" smtClean="0"/>
-              <a:t>     4.     </a:t>
-            </a:r>
-            <a:r>
-              <a:rPr lang="en-US" dirty="0" smtClean="0"/>
-              <a:t>Sample </a:t>
+          </a:p>
+          <a:p>
+            <a:r>
+              <a:rPr lang="en-US" dirty="0" smtClean="0"/>
+              <a:t>     3. K times: </a:t>
+            </a:r>
+          </a:p>
+          <a:p>
+            <a:r>
+              <a:rPr lang="en-US" dirty="0" smtClean="0"/>
+              <a:t>     4.     Sample </a:t>
             </a:r>
             <a:r>
               <a:rPr lang="en-US" dirty="0" err="1" smtClean="0"/>
@@ -6379,21 +6361,13 @@
             </a:r>
             <a:r>
               <a:rPr lang="en-US" dirty="0" smtClean="0"/>
-              <a:t>(32) from </a:t>
-            </a:r>
-            <a:r>
-              <a:rPr lang="en-US" dirty="0" smtClean="0"/>
-              <a:t>buffer</a:t>
-            </a:r>
-          </a:p>
-          <a:p>
-            <a:r>
-              <a:rPr lang="en-US" dirty="0" smtClean="0"/>
-              <a:t>     5.     Train</a:t>
-            </a:r>
-            <a:r>
-              <a:rPr lang="en-US" dirty="0" smtClean="0"/>
-              <a:t> actor(</a:t>
+              <a:t>(32) from buffer</a:t>
+            </a:r>
+          </a:p>
+          <a:p>
+            <a:r>
+              <a:rPr lang="en-US" dirty="0" smtClean="0"/>
+              <a:t>     5.     Train actor(</a:t>
             </a:r>
             <a:r>
               <a:rPr lang="en-US" dirty="0" err="1" smtClean="0"/>
@@ -6403,16 +6377,11 @@
               <a:rPr lang="en-US" dirty="0" smtClean="0"/>
               <a:t>) on this data</a:t>
             </a:r>
-            <a:endParaRPr lang="en-US" dirty="0" smtClean="0"/>
-          </a:p>
-          <a:p>
-            <a:r>
-              <a:rPr lang="en-US" dirty="0" smtClean="0"/>
-              <a:t>     6</a:t>
-            </a:r>
-            <a:r>
-              <a:rPr lang="en-US" dirty="0" smtClean="0"/>
-              <a:t>. Train Critic on whole buffer</a:t>
+          </a:p>
+          <a:p>
+            <a:r>
+              <a:rPr lang="en-US" dirty="0" smtClean="0"/>
+              <a:t>     6. Train Critic on whole buffer</a:t>
             </a:r>
           </a:p>
           <a:p>
@@ -6441,13 +6410,8 @@
           <a:p>
             <a:r>
               <a:rPr lang="en-US" dirty="0" smtClean="0"/>
-              <a:t>     8</a:t>
-            </a:r>
-            <a:r>
-              <a:rPr lang="en-US" dirty="0" smtClean="0"/>
-              <a:t>. Empty buffer</a:t>
-            </a:r>
-            <a:endParaRPr lang="en-US" dirty="0" smtClean="0"/>
+              <a:t>     8. Empty buffer</a:t>
+            </a:r>
           </a:p>
         </p:txBody>
       </p:sp>
@@ -6481,15 +6445,7 @@
           <a:p>
             <a:r>
               <a:rPr lang="en-US" dirty="0" smtClean="0"/>
-              <a:t>      For </a:t>
-            </a:r>
-            <a:r>
-              <a:rPr lang="en-US" dirty="0" smtClean="0"/>
-              <a:t>every </a:t>
-            </a:r>
-            <a:r>
-              <a:rPr lang="en-US" dirty="0" smtClean="0"/>
-              <a:t>Agent that needs to take action</a:t>
+              <a:t>      For every Agent that needs to take action</a:t>
             </a:r>
             <a:endParaRPr lang="en-US" dirty="0"/>
           </a:p>
@@ -6679,7 +6635,7 @@
         </p:blipFill>
         <p:spPr bwMode="auto">
           <a:xfrm>
-            <a:off x="0" y="1828800"/>
+            <a:off x="8467" y="1794933"/>
             <a:ext cx="9144000" cy="5029200"/>
           </a:xfrm>
           <a:prstGeom prst="rect">
